--- a/QuizApp PPT.pptx
+++ b/QuizApp PPT.pptx
@@ -8,14 +8,10 @@
     <p:sldId id="256" r:id="rId2"/>
     <p:sldId id="258" r:id="rId3"/>
     <p:sldId id="257" r:id="rId4"/>
-    <p:sldId id="264" r:id="rId5"/>
-    <p:sldId id="261" r:id="rId6"/>
-    <p:sldId id="262" r:id="rId7"/>
-    <p:sldId id="259" r:id="rId8"/>
-    <p:sldId id="260" r:id="rId9"/>
-    <p:sldId id="266" r:id="rId10"/>
-    <p:sldId id="263" r:id="rId11"/>
-    <p:sldId id="265" r:id="rId12"/>
+    <p:sldId id="259" r:id="rId5"/>
+    <p:sldId id="260" r:id="rId6"/>
+    <p:sldId id="263" r:id="rId7"/>
+    <p:sldId id="265" r:id="rId8"/>
   </p:sldIdLst>
   <p:sldSz cx="12192000" cy="6858000"/>
   <p:notesSz cx="6858000" cy="9144000"/>
@@ -5898,12 +5894,8 @@
           <a:lstStyle/>
           <a:p>
             <a:r>
-              <a:rPr lang="en-US" sz="5000" dirty="0" err="1" smtClean="0"/>
-              <a:t>TnP</a:t>
-            </a:r>
-            <a:r>
               <a:rPr lang="en-US" sz="5000" dirty="0" smtClean="0"/>
-              <a:t> Project(</a:t>
+              <a:t>TnP Project(</a:t>
             </a:r>
             <a:r>
               <a:rPr lang="en-US" sz="5000" dirty="0" err="1" smtClean="0"/>
@@ -5947,13 +5939,8 @@
           <a:p>
             <a:r>
               <a:rPr lang="en-US" dirty="0" smtClean="0"/>
-              <a:t>Class – </a:t>
-            </a:r>
-            <a:r>
-              <a:rPr lang="en-US" dirty="0" smtClean="0"/>
-              <a:t>6B</a:t>
-            </a:r>
-            <a:endParaRPr lang="en-US" dirty="0" smtClean="0"/>
+              <a:t>Class – 6B</a:t>
+            </a:r>
           </a:p>
           <a:p>
             <a:r>
@@ -5968,233 +5955,6 @@
     <p:extLst>
       <p:ext uri="{BB962C8B-B14F-4D97-AF65-F5344CB8AC3E}">
         <p14:creationId xmlns:p14="http://schemas.microsoft.com/office/powerpoint/2010/main" val="1788099428"/>
-      </p:ext>
-    </p:extLst>
-  </p:cSld>
-  <p:clrMapOvr>
-    <a:masterClrMapping/>
-  </p:clrMapOvr>
-  <p:timing>
-    <p:tnLst>
-      <p:par>
-        <p:cTn id="1" dur="indefinite" restart="never" nodeType="tmRoot"/>
-      </p:par>
-    </p:tnLst>
-  </p:timing>
-</p:sld>
-</file>
-
-<file path=ppt/slides/slide10.xml><?xml version="1.0" encoding="utf-8"?>
-<p:sld xmlns:a="http://schemas.openxmlformats.org/drawingml/2006/main" xmlns:r="http://schemas.openxmlformats.org/officeDocument/2006/relationships" xmlns:p="http://schemas.openxmlformats.org/presentationml/2006/main">
-  <p:cSld>
-    <p:spTree>
-      <p:nvGrpSpPr>
-        <p:cNvPr id="1" name=""/>
-        <p:cNvGrpSpPr/>
-        <p:nvPr/>
-      </p:nvGrpSpPr>
-      <p:grpSpPr>
-        <a:xfrm>
-          <a:off x="0" y="0"/>
-          <a:ext cx="0" cy="0"/>
-          <a:chOff x="0" y="0"/>
-          <a:chExt cx="0" cy="0"/>
-        </a:xfrm>
-      </p:grpSpPr>
-      <p:sp>
-        <p:nvSpPr>
-          <p:cNvPr id="2" name="Title 1"/>
-          <p:cNvSpPr>
-            <a:spLocks noGrp="1"/>
-          </p:cNvSpPr>
-          <p:nvPr>
-            <p:ph type="title"/>
-          </p:nvPr>
-        </p:nvSpPr>
-        <p:spPr/>
-        <p:txBody>
-          <a:bodyPr/>
-          <a:lstStyle/>
-          <a:p>
-            <a:r>
-              <a:rPr lang="en-IN" dirty="0"/>
-              <a:t>Future plan</a:t>
-            </a:r>
-          </a:p>
-        </p:txBody>
-      </p:sp>
-      <p:sp>
-        <p:nvSpPr>
-          <p:cNvPr id="3" name="Content Placeholder 2"/>
-          <p:cNvSpPr>
-            <a:spLocks noGrp="1"/>
-          </p:cNvSpPr>
-          <p:nvPr>
-            <p:ph idx="1"/>
-          </p:nvPr>
-        </p:nvSpPr>
-        <p:spPr/>
-        <p:txBody>
-          <a:bodyPr>
-            <a:normAutofit/>
-          </a:bodyPr>
-          <a:lstStyle/>
-          <a:p>
-            <a:pPr marL="0" indent="0">
-              <a:buNone/>
-            </a:pPr>
-            <a:r>
-              <a:rPr lang="en-US" dirty="0" smtClean="0"/>
-              <a:t>I have some </a:t>
-            </a:r>
-            <a:r>
-              <a:rPr lang="en-US" dirty="0"/>
-              <a:t>advanced idea and modifications </a:t>
-            </a:r>
-            <a:r>
-              <a:rPr lang="en-US" dirty="0" smtClean="0"/>
-              <a:t>which can be implemented in the </a:t>
-            </a:r>
-            <a:r>
-              <a:rPr lang="en-US" dirty="0"/>
-              <a:t>system. Some of them are – </a:t>
-            </a:r>
-            <a:endParaRPr lang="en-US" dirty="0" smtClean="0"/>
-          </a:p>
-          <a:p>
-            <a:r>
-              <a:rPr lang="en-US" dirty="0" smtClean="0"/>
-              <a:t>GUI </a:t>
-            </a:r>
-            <a:r>
-              <a:rPr lang="en-US" dirty="0"/>
-              <a:t>modification (more user friendly</a:t>
-            </a:r>
-            <a:r>
-              <a:rPr lang="en-US" dirty="0" smtClean="0"/>
-              <a:t>).</a:t>
-            </a:r>
-          </a:p>
-          <a:p>
-            <a:r>
-              <a:rPr lang="en-US" dirty="0"/>
-              <a:t>Users can signup / login. </a:t>
-            </a:r>
-            <a:endParaRPr lang="en-US" dirty="0" smtClean="0"/>
-          </a:p>
-          <a:p>
-            <a:r>
-              <a:rPr lang="en-US" dirty="0" smtClean="0"/>
-              <a:t>Users </a:t>
-            </a:r>
-            <a:r>
-              <a:rPr lang="en-US" dirty="0"/>
-              <a:t>can sell their </a:t>
-            </a:r>
-            <a:r>
-              <a:rPr lang="en-US" dirty="0" smtClean="0"/>
-              <a:t>products.</a:t>
-            </a:r>
-          </a:p>
-          <a:p>
-            <a:r>
-              <a:rPr lang="en-US" dirty="0" smtClean="0"/>
-              <a:t>Applying ML for Product recommendation system.</a:t>
-            </a:r>
-          </a:p>
-          <a:p>
-            <a:endParaRPr lang="en-IN" dirty="0"/>
-          </a:p>
-        </p:txBody>
-      </p:sp>
-    </p:spTree>
-    <p:extLst>
-      <p:ext uri="{BB962C8B-B14F-4D97-AF65-F5344CB8AC3E}">
-        <p14:creationId xmlns:p14="http://schemas.microsoft.com/office/powerpoint/2010/main" val="1915303366"/>
-      </p:ext>
-    </p:extLst>
-  </p:cSld>
-  <p:clrMapOvr>
-    <a:masterClrMapping/>
-  </p:clrMapOvr>
-  <p:timing>
-    <p:tnLst>
-      <p:par>
-        <p:cTn id="1" dur="indefinite" restart="never" nodeType="tmRoot"/>
-      </p:par>
-    </p:tnLst>
-  </p:timing>
-</p:sld>
-</file>
-
-<file path=ppt/slides/slide11.xml><?xml version="1.0" encoding="utf-8"?>
-<p:sld xmlns:a="http://schemas.openxmlformats.org/drawingml/2006/main" xmlns:r="http://schemas.openxmlformats.org/officeDocument/2006/relationships" xmlns:p="http://schemas.openxmlformats.org/presentationml/2006/main">
-  <p:cSld>
-    <p:spTree>
-      <p:nvGrpSpPr>
-        <p:cNvPr id="1" name=""/>
-        <p:cNvGrpSpPr/>
-        <p:nvPr/>
-      </p:nvGrpSpPr>
-      <p:grpSpPr>
-        <a:xfrm>
-          <a:off x="0" y="0"/>
-          <a:ext cx="0" cy="0"/>
-          <a:chOff x="0" y="0"/>
-          <a:chExt cx="0" cy="0"/>
-        </a:xfrm>
-      </p:grpSpPr>
-      <p:sp>
-        <p:nvSpPr>
-          <p:cNvPr id="4" name="Title 3"/>
-          <p:cNvSpPr>
-            <a:spLocks noGrp="1"/>
-          </p:cNvSpPr>
-          <p:nvPr>
-            <p:ph type="ctrTitle"/>
-          </p:nvPr>
-        </p:nvSpPr>
-        <p:spPr>
-          <a:xfrm>
-            <a:off x="2692397" y="1751862"/>
-            <a:ext cx="6815669" cy="1515533"/>
-          </a:xfrm>
-        </p:spPr>
-        <p:txBody>
-          <a:bodyPr/>
-          <a:lstStyle/>
-          <a:p>
-            <a:r>
-              <a:rPr lang="en-US" dirty="0" smtClean="0"/>
-              <a:t>Thank you!</a:t>
-            </a:r>
-            <a:endParaRPr lang="en-IN" dirty="0"/>
-          </a:p>
-        </p:txBody>
-      </p:sp>
-      <p:sp>
-        <p:nvSpPr>
-          <p:cNvPr id="5" name="Subtitle 4"/>
-          <p:cNvSpPr>
-            <a:spLocks noGrp="1"/>
-          </p:cNvSpPr>
-          <p:nvPr>
-            <p:ph type="subTitle" idx="1"/>
-          </p:nvPr>
-        </p:nvSpPr>
-        <p:spPr/>
-        <p:txBody>
-          <a:bodyPr/>
-          <a:lstStyle/>
-          <a:p>
-            <a:endParaRPr lang="en-IN" dirty="0"/>
-          </a:p>
-        </p:txBody>
-      </p:sp>
-    </p:spTree>
-    <p:extLst>
-      <p:ext uri="{BB962C8B-B14F-4D97-AF65-F5344CB8AC3E}">
-        <p14:creationId xmlns:p14="http://schemas.microsoft.com/office/powerpoint/2010/main" val="3740928094"/>
       </p:ext>
     </p:extLst>
   </p:cSld>
@@ -6275,28 +6035,13 @@
           <a:p>
             <a:r>
               <a:rPr lang="en-US" dirty="0"/>
-              <a:t>My Awesome Cart is a </a:t>
+              <a:t>QuizApp is a web-based full stack quiz application.</a:t>
             </a:r>
             <a:r>
               <a:rPr lang="en-US" dirty="0" smtClean="0"/>
-              <a:t>Ecommerce </a:t>
-            </a:r>
-            <a:r>
-              <a:rPr lang="en-US" dirty="0"/>
-              <a:t>website with all the functionality of a </a:t>
-            </a:r>
-            <a:r>
-              <a:rPr lang="en-US" dirty="0" smtClean="0"/>
-              <a:t>Ecommerce </a:t>
-            </a:r>
-            <a:r>
-              <a:rPr lang="en-US" dirty="0"/>
-              <a:t>website along with a blog section</a:t>
-            </a:r>
-            <a:r>
-              <a:rPr lang="en-US" dirty="0" smtClean="0"/>
-              <a:t>. </a:t>
-            </a:r>
+              <a:t> </a:t>
+            </a:r>
+            <a:endParaRPr lang="en-US" dirty="0" smtClean="0"/>
           </a:p>
           <a:p>
             <a:r>
@@ -6308,10 +6053,10 @@
               <a:t> link - </a:t>
             </a:r>
             <a:r>
-              <a:rPr lang="en-US" dirty="0" smtClean="0">
+              <a:rPr lang="en-US" dirty="0">
                 <a:hlinkClick r:id="rId2"/>
               </a:rPr>
-              <a:t>https://github.com/rkvyas98/myawesomecart/</a:t>
+              <a:t>https://github.com/rkvyas98/quizApp</a:t>
             </a:r>
             <a:endParaRPr lang="en-IN" dirty="0"/>
           </a:p>
@@ -6483,7 +6228,7 @@
         </p:spPr>
         <p:txBody>
           <a:bodyPr vert="horz" lIns="91440" tIns="45720" rIns="91440" bIns="45720" rtlCol="0" anchor="t">
-            <a:normAutofit lnSpcReduction="10000"/>
+            <a:normAutofit fontScale="92500"/>
           </a:bodyPr>
           <a:lstStyle>
             <a:lvl1pPr marL="0" indent="0" algn="l" defTabSz="457200" rtl="0" eaLnBrk="1" latinLnBrk="0" hangingPunct="1">
@@ -6717,59 +6462,8 @@
             </a:pPr>
             <a:r>
               <a:rPr lang="en-US" sz="2400" dirty="0"/>
-              <a:t>Electronic Commerce is process of doing business through computer networks. A person sitting on his chair in front of a computer can access all the facilities of the Internet to buy or sell the products</a:t>
-            </a:r>
-            <a:r>
-              <a:rPr lang="en-US" sz="2400" dirty="0" smtClean="0"/>
-              <a:t>.</a:t>
-            </a:r>
-          </a:p>
-          <a:p>
-            <a:pPr marL="342900" indent="-342900">
-              <a:buFont typeface="Arial" panose="020B0604020202020204" pitchFamily="34" charset="0"/>
-              <a:buChar char="•"/>
-            </a:pPr>
-            <a:r>
-              <a:rPr lang="en-US" sz="2400" dirty="0"/>
-              <a:t>E-Commerce </a:t>
-            </a:r>
-            <a:r>
-              <a:rPr lang="en-US" sz="2400" dirty="0" smtClean="0"/>
-              <a:t>was </a:t>
-            </a:r>
-            <a:r>
-              <a:rPr lang="en-US" sz="2400" dirty="0"/>
-              <a:t>started in early 1990’s </a:t>
-            </a:r>
-            <a:r>
-              <a:rPr lang="en-US" sz="2400" dirty="0" smtClean="0"/>
-              <a:t>and has </a:t>
-            </a:r>
-            <a:r>
-              <a:rPr lang="en-US" sz="2400" dirty="0"/>
-              <a:t>taken a great leap in the world of </a:t>
-            </a:r>
-            <a:r>
-              <a:rPr lang="en-US" sz="2400" dirty="0" smtClean="0"/>
-              <a:t>computers.</a:t>
-            </a:r>
-          </a:p>
-          <a:p>
-            <a:pPr marL="342900" indent="-342900">
-              <a:buFont typeface="Arial" panose="020B0604020202020204" pitchFamily="34" charset="0"/>
-              <a:buChar char="•"/>
-            </a:pPr>
-            <a:r>
-              <a:rPr lang="en-US" sz="2400" dirty="0"/>
-              <a:t>The main advantage of e-commerce over traditional commerce is the user can browse online shops, compare prices and order merchandise sitting at home on their PC.</a:t>
-            </a:r>
-            <a:endParaRPr lang="en-US" sz="2400" dirty="0" smtClean="0"/>
-          </a:p>
-          <a:p>
-            <a:pPr marL="342900" indent="-342900">
-              <a:buFont typeface="Arial" panose="020B0604020202020204" pitchFamily="34" charset="0"/>
-              <a:buChar char="•"/>
-            </a:pPr>
+              <a:t>QuizApp is a Full stack Project, web-based test system where quiz is taken online i.e. through the internet or web browser. The purpose of QuizApp is to take Quizzes and test the basic knowledge of the Programming languages in an efficient manner and no time wasting for checking the paper manually. The main objective of QuizApp is to efficiently evaluate the candidate through a fully automated system that not only saves lot of time but also gives fast results. Teachers/Admins can administer quizzes using the QuizApp admin panel. The system will show result after the examination is finished and after submitting user can see the correct answers of the questions. Test Statics system show the statics of the QuizApp.</a:t>
+            </a:r>
             <a:endParaRPr lang="en-IN" dirty="0"/>
           </a:p>
         </p:txBody>
@@ -6821,10 +6515,32 @@
             <p:ph type="title"/>
           </p:nvPr>
         </p:nvSpPr>
+        <p:spPr/>
+        <p:txBody>
+          <a:bodyPr/>
+          <a:lstStyle/>
+          <a:p>
+            <a:r>
+              <a:rPr lang="en-IN" dirty="0"/>
+              <a:t>REQUIREMENT SPECIFICATIONS</a:t>
+            </a:r>
+          </a:p>
+        </p:txBody>
+      </p:sp>
+      <p:sp>
+        <p:nvSpPr>
+          <p:cNvPr id="3" name="Content Placeholder 2"/>
+          <p:cNvSpPr>
+            <a:spLocks noGrp="1"/>
+          </p:cNvSpPr>
+          <p:nvPr>
+            <p:ph idx="1"/>
+          </p:nvPr>
+        </p:nvSpPr>
         <p:spPr>
           <a:xfrm>
-            <a:off x="1295401" y="982132"/>
-            <a:ext cx="9601196" cy="1303867"/>
+            <a:off x="1295401" y="2556932"/>
+            <a:ext cx="4469295" cy="3318936"/>
           </a:xfrm>
         </p:spPr>
         <p:txBody>
@@ -6832,12 +6548,39 @@
           <a:lstStyle/>
           <a:p>
             <a:r>
-              <a:rPr lang="en-IN" dirty="0"/>
-              <a:t>What is </a:t>
-            </a:r>
+              <a:rPr lang="en-US" dirty="0" smtClean="0"/>
+              <a:t>HTML                                          </a:t>
+            </a:r>
+          </a:p>
+          <a:p>
+            <a:r>
+              <a:rPr lang="en-US" dirty="0" smtClean="0"/>
+              <a:t>CSS</a:t>
+            </a:r>
+          </a:p>
+          <a:p>
+            <a:r>
+              <a:rPr lang="en-US" dirty="0" smtClean="0"/>
+              <a:t>Bootstrap</a:t>
+            </a:r>
+          </a:p>
+          <a:p>
             <a:r>
               <a:rPr lang="en-IN" dirty="0" smtClean="0"/>
-              <a:t>E-Commerce ?</a:t>
+              <a:t>JavaScript</a:t>
+            </a:r>
+            <a:endParaRPr lang="en-US" dirty="0" smtClean="0"/>
+          </a:p>
+          <a:p>
+            <a:r>
+              <a:rPr lang="en-US" dirty="0" smtClean="0"/>
+              <a:t>Python </a:t>
+            </a:r>
+          </a:p>
+          <a:p>
+            <a:r>
+              <a:rPr lang="en-US" dirty="0" smtClean="0"/>
+              <a:t>Django</a:t>
             </a:r>
             <a:endParaRPr lang="en-IN" dirty="0"/>
           </a:p>
@@ -6845,71 +6588,285 @@
       </p:sp>
       <p:sp>
         <p:nvSpPr>
-          <p:cNvPr id="3" name="Content Placeholder 2"/>
-          <p:cNvSpPr>
-            <a:spLocks noGrp="1"/>
-          </p:cNvSpPr>
-          <p:nvPr>
-            <p:ph idx="1"/>
-          </p:nvPr>
-        </p:nvSpPr>
-        <p:spPr/>
-        <p:txBody>
-          <a:bodyPr/>
-          <a:lstStyle/>
+          <p:cNvPr id="4" name="Content Placeholder 2"/>
+          <p:cNvSpPr txBox="1">
+            <a:spLocks/>
+          </p:cNvSpPr>
+          <p:nvPr/>
+        </p:nvSpPr>
+        <p:spPr>
+          <a:xfrm>
+            <a:off x="6602896" y="2556932"/>
+            <a:ext cx="4469295" cy="3318936"/>
+          </a:xfrm>
+          <a:prstGeom prst="rect">
+            <a:avLst/>
+          </a:prstGeom>
+        </p:spPr>
+        <p:txBody>
+          <a:bodyPr vert="horz" lIns="91440" tIns="45720" rIns="91440" bIns="45720" rtlCol="0" anchor="t">
+            <a:normAutofit/>
+          </a:bodyPr>
+          <a:lstStyle>
+            <a:lvl1pPr marL="285750" indent="-285750" algn="l" defTabSz="457200" rtl="0" eaLnBrk="1" latinLnBrk="0" hangingPunct="1">
+              <a:spcBef>
+                <a:spcPct val="20000"/>
+              </a:spcBef>
+              <a:spcAft>
+                <a:spcPts val="600"/>
+              </a:spcAft>
+              <a:buClr>
+                <a:schemeClr val="accent1"/>
+              </a:buClr>
+              <a:buSzPct val="115000"/>
+              <a:buFont typeface="Arial"/>
+              <a:buChar char="•"/>
+              <a:defRPr sz="2400" kern="1200" cap="none">
+                <a:solidFill>
+                  <a:schemeClr val="tx1">
+                    <a:lumMod val="85000"/>
+                    <a:lumOff val="15000"/>
+                  </a:schemeClr>
+                </a:solidFill>
+                <a:effectLst/>
+                <a:latin typeface="+mn-lt"/>
+                <a:ea typeface="+mn-ea"/>
+                <a:cs typeface="+mn-cs"/>
+              </a:defRPr>
+            </a:lvl1pPr>
+            <a:lvl2pPr marL="742950" indent="-285750" algn="l" defTabSz="457200" rtl="0" eaLnBrk="1" latinLnBrk="0" hangingPunct="1">
+              <a:spcBef>
+                <a:spcPct val="20000"/>
+              </a:spcBef>
+              <a:spcAft>
+                <a:spcPts val="600"/>
+              </a:spcAft>
+              <a:buClr>
+                <a:schemeClr val="accent1"/>
+              </a:buClr>
+              <a:buSzPct val="115000"/>
+              <a:buFont typeface="Arial"/>
+              <a:buChar char="•"/>
+              <a:defRPr sz="2000" kern="1200" cap="none">
+                <a:solidFill>
+                  <a:schemeClr val="tx1">
+                    <a:lumMod val="85000"/>
+                    <a:lumOff val="15000"/>
+                  </a:schemeClr>
+                </a:solidFill>
+                <a:effectLst/>
+                <a:latin typeface="+mn-lt"/>
+                <a:ea typeface="+mn-ea"/>
+                <a:cs typeface="+mn-cs"/>
+              </a:defRPr>
+            </a:lvl2pPr>
+            <a:lvl3pPr marL="1200150" indent="-285750" algn="l" defTabSz="457200" rtl="0" eaLnBrk="1" latinLnBrk="0" hangingPunct="1">
+              <a:spcBef>
+                <a:spcPct val="20000"/>
+              </a:spcBef>
+              <a:spcAft>
+                <a:spcPts val="600"/>
+              </a:spcAft>
+              <a:buClr>
+                <a:schemeClr val="accent1"/>
+              </a:buClr>
+              <a:buSzPct val="115000"/>
+              <a:buFont typeface="Arial"/>
+              <a:buChar char="•"/>
+              <a:defRPr sz="1800" kern="1200" cap="none">
+                <a:solidFill>
+                  <a:schemeClr val="tx1">
+                    <a:lumMod val="85000"/>
+                    <a:lumOff val="15000"/>
+                  </a:schemeClr>
+                </a:solidFill>
+                <a:effectLst/>
+                <a:latin typeface="+mn-lt"/>
+                <a:ea typeface="+mn-ea"/>
+                <a:cs typeface="+mn-cs"/>
+              </a:defRPr>
+            </a:lvl3pPr>
+            <a:lvl4pPr marL="1543050" indent="-171450" algn="l" defTabSz="457200" rtl="0" eaLnBrk="1" latinLnBrk="0" hangingPunct="1">
+              <a:spcBef>
+                <a:spcPct val="20000"/>
+              </a:spcBef>
+              <a:spcAft>
+                <a:spcPts val="600"/>
+              </a:spcAft>
+              <a:buClr>
+                <a:schemeClr val="accent1"/>
+              </a:buClr>
+              <a:buSzPct val="115000"/>
+              <a:buFont typeface="Arial"/>
+              <a:buChar char="•"/>
+              <a:defRPr sz="1600" kern="1200" cap="none">
+                <a:solidFill>
+                  <a:schemeClr val="tx1">
+                    <a:lumMod val="85000"/>
+                    <a:lumOff val="15000"/>
+                  </a:schemeClr>
+                </a:solidFill>
+                <a:effectLst/>
+                <a:latin typeface="+mn-lt"/>
+                <a:ea typeface="+mn-ea"/>
+                <a:cs typeface="+mn-cs"/>
+              </a:defRPr>
+            </a:lvl4pPr>
+            <a:lvl5pPr marL="2000250" indent="-171450" algn="l" defTabSz="457200" rtl="0" eaLnBrk="1" latinLnBrk="0" hangingPunct="1">
+              <a:spcBef>
+                <a:spcPct val="20000"/>
+              </a:spcBef>
+              <a:spcAft>
+                <a:spcPts val="600"/>
+              </a:spcAft>
+              <a:buClr>
+                <a:schemeClr val="accent1"/>
+              </a:buClr>
+              <a:buSzPct val="115000"/>
+              <a:buFont typeface="Arial"/>
+              <a:buChar char="•"/>
+              <a:defRPr sz="1400" kern="1200" cap="none">
+                <a:solidFill>
+                  <a:schemeClr val="tx1">
+                    <a:lumMod val="85000"/>
+                    <a:lumOff val="15000"/>
+                  </a:schemeClr>
+                </a:solidFill>
+                <a:effectLst/>
+                <a:latin typeface="+mn-lt"/>
+                <a:ea typeface="+mn-ea"/>
+                <a:cs typeface="+mn-cs"/>
+              </a:defRPr>
+            </a:lvl5pPr>
+            <a:lvl6pPr marL="2514600" indent="-228600" algn="l" defTabSz="457200" rtl="0" eaLnBrk="1" latinLnBrk="0" hangingPunct="1">
+              <a:spcBef>
+                <a:spcPct val="20000"/>
+              </a:spcBef>
+              <a:spcAft>
+                <a:spcPts val="600"/>
+              </a:spcAft>
+              <a:buClr>
+                <a:schemeClr val="accent1"/>
+              </a:buClr>
+              <a:buSzPct val="115000"/>
+              <a:buFont typeface="Arial"/>
+              <a:buChar char="•"/>
+              <a:defRPr sz="1400" kern="1200" cap="none">
+                <a:solidFill>
+                  <a:schemeClr val="tx1">
+                    <a:lumMod val="85000"/>
+                    <a:lumOff val="15000"/>
+                  </a:schemeClr>
+                </a:solidFill>
+                <a:effectLst/>
+                <a:latin typeface="+mn-lt"/>
+                <a:ea typeface="+mn-ea"/>
+                <a:cs typeface="+mn-cs"/>
+              </a:defRPr>
+            </a:lvl6pPr>
+            <a:lvl7pPr marL="2971800" indent="-228600" algn="l" defTabSz="457200" rtl="0" eaLnBrk="1" latinLnBrk="0" hangingPunct="1">
+              <a:spcBef>
+                <a:spcPct val="20000"/>
+              </a:spcBef>
+              <a:spcAft>
+                <a:spcPts val="600"/>
+              </a:spcAft>
+              <a:buClr>
+                <a:schemeClr val="accent1"/>
+              </a:buClr>
+              <a:buSzPct val="115000"/>
+              <a:buFont typeface="Arial"/>
+              <a:buChar char="•"/>
+              <a:defRPr sz="1400" kern="1200" cap="none">
+                <a:solidFill>
+                  <a:schemeClr val="tx1">
+                    <a:lumMod val="85000"/>
+                    <a:lumOff val="15000"/>
+                  </a:schemeClr>
+                </a:solidFill>
+                <a:effectLst/>
+                <a:latin typeface="+mn-lt"/>
+                <a:ea typeface="+mn-ea"/>
+                <a:cs typeface="+mn-cs"/>
+              </a:defRPr>
+            </a:lvl7pPr>
+            <a:lvl8pPr marL="3429000" indent="-228600" algn="l" defTabSz="457200" rtl="0" eaLnBrk="1" latinLnBrk="0" hangingPunct="1">
+              <a:spcBef>
+                <a:spcPct val="20000"/>
+              </a:spcBef>
+              <a:spcAft>
+                <a:spcPts val="600"/>
+              </a:spcAft>
+              <a:buClr>
+                <a:schemeClr val="accent1"/>
+              </a:buClr>
+              <a:buSzPct val="115000"/>
+              <a:buFont typeface="Arial"/>
+              <a:buChar char="•"/>
+              <a:defRPr sz="1400" kern="1200" cap="none">
+                <a:solidFill>
+                  <a:schemeClr val="tx1">
+                    <a:lumMod val="85000"/>
+                    <a:lumOff val="15000"/>
+                  </a:schemeClr>
+                </a:solidFill>
+                <a:effectLst/>
+                <a:latin typeface="+mn-lt"/>
+                <a:ea typeface="+mn-ea"/>
+                <a:cs typeface="+mn-cs"/>
+              </a:defRPr>
+            </a:lvl8pPr>
+            <a:lvl9pPr marL="3886200" indent="-228600" algn="l" defTabSz="457200" rtl="0" eaLnBrk="1" latinLnBrk="0" hangingPunct="1">
+              <a:spcBef>
+                <a:spcPct val="20000"/>
+              </a:spcBef>
+              <a:spcAft>
+                <a:spcPts val="600"/>
+              </a:spcAft>
+              <a:buClr>
+                <a:schemeClr val="accent1"/>
+              </a:buClr>
+              <a:buSzPct val="115000"/>
+              <a:buFont typeface="Arial"/>
+              <a:buChar char="•"/>
+              <a:defRPr sz="1400" kern="1200" cap="none">
+                <a:solidFill>
+                  <a:schemeClr val="tx1">
+                    <a:lumMod val="85000"/>
+                    <a:lumOff val="15000"/>
+                  </a:schemeClr>
+                </a:solidFill>
+                <a:effectLst/>
+                <a:latin typeface="+mn-lt"/>
+                <a:ea typeface="+mn-ea"/>
+                <a:cs typeface="+mn-cs"/>
+              </a:defRPr>
+            </a:lvl9pPr>
+          </a:lstStyle>
           <a:p>
             <a:r>
               <a:rPr lang="en-US" dirty="0" smtClean="0"/>
-              <a:t>Commonly </a:t>
-            </a:r>
-            <a:r>
-              <a:rPr lang="en-US" dirty="0"/>
-              <a:t>known as electronic commerce or </a:t>
-            </a:r>
-            <a:r>
-              <a:rPr lang="en-US" dirty="0" err="1" smtClean="0"/>
-              <a:t>eBusiness</a:t>
-            </a:r>
+              <a:t>Visual Studio Code</a:t>
+            </a:r>
+          </a:p>
+          <a:p>
             <a:r>
               <a:rPr lang="en-US" dirty="0" smtClean="0"/>
-              <a:t>.</a:t>
+              <a:t>Hosted on Local host</a:t>
             </a:r>
           </a:p>
           <a:p>
             <a:r>
               <a:rPr lang="en-US" dirty="0" smtClean="0"/>
-              <a:t>E-Commerce is used for </a:t>
-            </a:r>
-            <a:r>
-              <a:rPr lang="en-US" dirty="0"/>
-              <a:t>buying and selling </a:t>
-            </a:r>
-            <a:r>
-              <a:rPr lang="en-US" dirty="0" smtClean="0"/>
-              <a:t>products </a:t>
-            </a:r>
-            <a:r>
-              <a:rPr lang="en-US" dirty="0"/>
-              <a:t>and services over the internet</a:t>
-            </a:r>
-            <a:r>
-              <a:rPr lang="en-US" dirty="0" smtClean="0"/>
-              <a:t>.</a:t>
-            </a:r>
-          </a:p>
-          <a:p>
-            <a:r>
-              <a:rPr lang="en-US" dirty="0"/>
-              <a:t>It covers a range of different types of businesses, from consumer based retail sites, through auction or music sites, to business exchanges trading goods and services between corporations.</a:t>
-            </a:r>
-            <a:endParaRPr lang="en-IN" dirty="0"/>
+              <a:t>SQLite Database</a:t>
+            </a:r>
           </a:p>
         </p:txBody>
       </p:sp>
     </p:spTree>
     <p:extLst>
       <p:ext uri="{BB962C8B-B14F-4D97-AF65-F5344CB8AC3E}">
-        <p14:creationId xmlns:p14="http://schemas.microsoft.com/office/powerpoint/2010/main" val="3046642445"/>
+        <p14:creationId xmlns:p14="http://schemas.microsoft.com/office/powerpoint/2010/main" val="530016152"/>
       </p:ext>
     </p:extLst>
   </p:cSld>
@@ -6959,83 +6916,100 @@
           <a:lstStyle/>
           <a:p>
             <a:r>
+              <a:rPr lang="en-US" dirty="0" smtClean="0"/>
+              <a:t>Pages and Features</a:t>
+            </a:r>
+            <a:endParaRPr lang="en-IN" dirty="0"/>
+          </a:p>
+        </p:txBody>
+      </p:sp>
+      <p:sp>
+        <p:nvSpPr>
+          <p:cNvPr id="3" name="Content Placeholder 2"/>
+          <p:cNvSpPr>
+            <a:spLocks noGrp="1"/>
+          </p:cNvSpPr>
+          <p:nvPr>
+            <p:ph idx="1"/>
+          </p:nvPr>
+        </p:nvSpPr>
+        <p:spPr>
+          <a:xfrm>
+            <a:off x="1295401" y="2556932"/>
+            <a:ext cx="9601196" cy="3539068"/>
+          </a:xfrm>
+        </p:spPr>
+        <p:txBody>
+          <a:bodyPr>
+            <a:normAutofit lnSpcReduction="10000"/>
+          </a:bodyPr>
+          <a:lstStyle/>
+          <a:p>
+            <a:r>
               <a:rPr lang="en-IN" dirty="0"/>
-              <a:t>ADVANTAGES OF E-COMMERCE</a:t>
-            </a:r>
-          </a:p>
-        </p:txBody>
-      </p:sp>
-      <p:sp>
-        <p:nvSpPr>
-          <p:cNvPr id="3" name="Content Placeholder 2"/>
-          <p:cNvSpPr>
-            <a:spLocks noGrp="1"/>
-          </p:cNvSpPr>
-          <p:nvPr>
-            <p:ph idx="1"/>
-          </p:nvPr>
-        </p:nvSpPr>
-        <p:spPr/>
-        <p:txBody>
-          <a:bodyPr/>
-          <a:lstStyle/>
-          <a:p>
-            <a:r>
-              <a:rPr lang="en-US" dirty="0"/>
-              <a:t>Faster buying/selling procedure, as well as easy to find products. </a:t>
-            </a:r>
-            <a:endParaRPr lang="en-US" dirty="0" smtClean="0"/>
-          </a:p>
-          <a:p>
-            <a:r>
-              <a:rPr lang="en-US" dirty="0" smtClean="0"/>
-              <a:t>Buying/selling </a:t>
-            </a:r>
-            <a:r>
-              <a:rPr lang="en-US" dirty="0"/>
-              <a:t>24/7. </a:t>
-            </a:r>
-          </a:p>
-          <a:p>
-            <a:r>
-              <a:rPr lang="en-US" dirty="0" smtClean="0"/>
-              <a:t>More </a:t>
-            </a:r>
-            <a:r>
-              <a:rPr lang="en-US" dirty="0"/>
-              <a:t>reach to customers, there is no theoretical geographic limitations. </a:t>
-            </a:r>
-          </a:p>
-          <a:p>
-            <a:r>
-              <a:rPr lang="en-US" dirty="0" smtClean="0"/>
-              <a:t>Low </a:t>
-            </a:r>
-            <a:r>
-              <a:rPr lang="en-US" dirty="0"/>
-              <a:t>operational costs and better quality of services. </a:t>
-            </a:r>
-            <a:endParaRPr lang="en-US" dirty="0" smtClean="0"/>
-          </a:p>
-          <a:p>
-            <a:r>
-              <a:rPr lang="en-US" dirty="0" smtClean="0"/>
-              <a:t>No </a:t>
-            </a:r>
-            <a:r>
-              <a:rPr lang="en-US" dirty="0"/>
-              <a:t>need of physical company set-ups. </a:t>
-            </a:r>
-            <a:endParaRPr lang="en-US" dirty="0" smtClean="0"/>
-          </a:p>
-          <a:p>
-            <a:r>
-              <a:rPr lang="en-US" dirty="0" smtClean="0"/>
-              <a:t>Easy </a:t>
-            </a:r>
-            <a:r>
-              <a:rPr lang="en-US" dirty="0"/>
-              <a:t>to start and manage a business.</a:t>
+              <a:t>Home Page - Contains all the subject option to attempt </a:t>
+            </a:r>
+            <a:r>
+              <a:rPr lang="en-IN" dirty="0" smtClean="0"/>
+              <a:t>quiz</a:t>
+            </a:r>
+          </a:p>
+          <a:p>
+            <a:r>
+              <a:rPr lang="en-IN" dirty="0" smtClean="0"/>
+              <a:t>Login </a:t>
+            </a:r>
+            <a:r>
+              <a:rPr lang="en-IN" dirty="0"/>
+              <a:t>Modal - Login using username and </a:t>
+            </a:r>
+            <a:r>
+              <a:rPr lang="en-IN" dirty="0" smtClean="0"/>
+              <a:t>password</a:t>
+            </a:r>
+          </a:p>
+          <a:p>
+            <a:r>
+              <a:rPr lang="en-IN" dirty="0" smtClean="0"/>
+              <a:t>Signup </a:t>
+            </a:r>
+            <a:r>
+              <a:rPr lang="en-IN" dirty="0"/>
+              <a:t>Modal – Sign up for new users </a:t>
+            </a:r>
+          </a:p>
+          <a:p>
+            <a:r>
+              <a:rPr lang="en-IN" dirty="0" smtClean="0"/>
+              <a:t>Quiz </a:t>
+            </a:r>
+            <a:r>
+              <a:rPr lang="en-IN" dirty="0"/>
+              <a:t>Page – Page for attempting quiz </a:t>
+            </a:r>
+          </a:p>
+          <a:p>
+            <a:r>
+              <a:rPr lang="en-IN" dirty="0" smtClean="0"/>
+              <a:t>Admin </a:t>
+            </a:r>
+            <a:r>
+              <a:rPr lang="en-IN" dirty="0"/>
+              <a:t>Page – Page for managing all administrator function like managing users, </a:t>
+            </a:r>
+            <a:r>
+              <a:rPr lang="en-IN" dirty="0" smtClean="0"/>
+              <a:t>questions.</a:t>
+            </a:r>
+          </a:p>
+          <a:p>
+            <a:r>
+              <a:rPr lang="en-IN" dirty="0" smtClean="0"/>
+              <a:t>Stats </a:t>
+            </a:r>
+            <a:r>
+              <a:rPr lang="en-IN" dirty="0"/>
+              <a:t>Page – Page for displaying some unique and exciting statics of the system like Top performer, Top user, and recent quiz attempts by users.</a:t>
             </a:r>
             <a:endParaRPr lang="en-IN" dirty="0"/>
           </a:p>
@@ -7044,7 +7018,7 @@
     </p:spTree>
     <p:extLst>
       <p:ext uri="{BB962C8B-B14F-4D97-AF65-F5344CB8AC3E}">
-        <p14:creationId xmlns:p14="http://schemas.microsoft.com/office/powerpoint/2010/main" val="3241079472"/>
+        <p14:creationId xmlns:p14="http://schemas.microsoft.com/office/powerpoint/2010/main" val="199725798"/>
       </p:ext>
     </p:extLst>
   </p:cSld>
@@ -7095,7 +7069,7 @@
           <a:p>
             <a:r>
               <a:rPr lang="en-IN" dirty="0"/>
-              <a:t>DISADVANTAGES OF E-COMMERCE</a:t>
+              <a:t>Future plan</a:t>
             </a:r>
           </a:p>
         </p:txBody>
@@ -7112,55 +7086,73 @@
         </p:nvSpPr>
         <p:spPr/>
         <p:txBody>
-          <a:bodyPr/>
-          <a:lstStyle/>
-          <a:p>
+          <a:bodyPr>
+            <a:normAutofit/>
+          </a:bodyPr>
+          <a:lstStyle/>
+          <a:p>
+            <a:pPr marL="0" indent="0">
+              <a:buNone/>
+            </a:pPr>
+            <a:r>
+              <a:rPr lang="en-US" dirty="0" smtClean="0"/>
+              <a:t>I have some </a:t>
+            </a:r>
             <a:r>
               <a:rPr lang="en-US" dirty="0"/>
-              <a:t>Unable to examine products </a:t>
+              <a:t>advanced idea and modifications </a:t>
             </a:r>
             <a:r>
               <a:rPr lang="en-US" dirty="0" smtClean="0"/>
-              <a:t>personally.</a:t>
-            </a:r>
+              <a:t>which can be implemented in the </a:t>
+            </a:r>
+            <a:r>
+              <a:rPr lang="en-US" dirty="0"/>
+              <a:t>system. Some of them are – </a:t>
+            </a:r>
+            <a:endParaRPr lang="en-US" dirty="0" smtClean="0"/>
           </a:p>
           <a:p>
             <a:r>
               <a:rPr lang="en-US" dirty="0" smtClean="0"/>
-              <a:t>Not </a:t>
+              <a:t>GUI </a:t>
             </a:r>
             <a:r>
               <a:rPr lang="en-US" dirty="0"/>
-              <a:t>everyone is connected to the </a:t>
+              <a:t>modification (more user friendly</a:t>
             </a:r>
             <a:r>
               <a:rPr lang="en-US" dirty="0" smtClean="0"/>
-              <a:t>Internet.</a:t>
-            </a:r>
-          </a:p>
-          <a:p>
+              <a:t>).</a:t>
+            </a:r>
+          </a:p>
+          <a:p>
+            <a:r>
+              <a:rPr lang="en-US" dirty="0"/>
+              <a:t>Users can signup / </a:t>
+            </a:r>
             <a:r>
               <a:rPr lang="en-US" dirty="0" smtClean="0"/>
-              <a:t>There </a:t>
+              <a:t>login</a:t>
             </a:r>
             <a:r>
               <a:rPr lang="en-US" dirty="0"/>
-              <a:t>is the possibility of credit card number </a:t>
+              <a:t> </a:t>
             </a:r>
             <a:r>
               <a:rPr lang="en-US" dirty="0" smtClean="0"/>
-              <a:t>theft.</a:t>
-            </a:r>
+              <a:t>as Teacher or student.</a:t>
+            </a:r>
+            <a:endParaRPr lang="en-US" dirty="0"/>
           </a:p>
           <a:p>
             <a:r>
               <a:rPr lang="en-US" dirty="0" smtClean="0"/>
-              <a:t>Mechanical </a:t>
-            </a:r>
-            <a:r>
-              <a:rPr lang="en-US" dirty="0"/>
-              <a:t>failures can cause unpredictable effects on the total processes.</a:t>
-            </a:r>
+              <a:t>Adding more subject for quiz.</a:t>
+            </a:r>
+            <a:endParaRPr lang="en-US" dirty="0" smtClean="0"/>
+          </a:p>
+          <a:p>
             <a:endParaRPr lang="en-IN" dirty="0"/>
           </a:p>
         </p:txBody>
@@ -7168,7 +7160,7 @@
     </p:spTree>
     <p:extLst>
       <p:ext uri="{BB962C8B-B14F-4D97-AF65-F5344CB8AC3E}">
-        <p14:creationId xmlns:p14="http://schemas.microsoft.com/office/powerpoint/2010/main" val="824504038"/>
+        <p14:creationId xmlns:p14="http://schemas.microsoft.com/office/powerpoint/2010/main" val="1915303366"/>
       </p:ext>
     </p:extLst>
   </p:cSld>
@@ -7204,40 +7196,18 @@
       </p:grpSpPr>
       <p:sp>
         <p:nvSpPr>
-          <p:cNvPr id="2" name="Title 1"/>
-          <p:cNvSpPr>
-            <a:spLocks noGrp="1"/>
-          </p:cNvSpPr>
-          <p:nvPr>
-            <p:ph type="title"/>
-          </p:nvPr>
-        </p:nvSpPr>
-        <p:spPr/>
-        <p:txBody>
-          <a:bodyPr/>
-          <a:lstStyle/>
-          <a:p>
-            <a:r>
-              <a:rPr lang="en-IN" dirty="0"/>
-              <a:t>REQUIREMENT SPECIFICATIONS</a:t>
-            </a:r>
-          </a:p>
-        </p:txBody>
-      </p:sp>
-      <p:sp>
-        <p:nvSpPr>
-          <p:cNvPr id="3" name="Content Placeholder 2"/>
-          <p:cNvSpPr>
-            <a:spLocks noGrp="1"/>
-          </p:cNvSpPr>
-          <p:nvPr>
-            <p:ph idx="1"/>
+          <p:cNvPr id="4" name="Title 3"/>
+          <p:cNvSpPr>
+            <a:spLocks noGrp="1"/>
+          </p:cNvSpPr>
+          <p:nvPr>
+            <p:ph type="ctrTitle"/>
           </p:nvPr>
         </p:nvSpPr>
         <p:spPr>
           <a:xfrm>
-            <a:off x="1295401" y="2556932"/>
-            <a:ext cx="4469295" cy="3318936"/>
+            <a:off x="2692397" y="1751862"/>
+            <a:ext cx="6815669" cy="1515533"/>
           </a:xfrm>
         </p:spPr>
         <p:txBody>
@@ -7246,46 +7216,7 @@
           <a:p>
             <a:r>
               <a:rPr lang="en-US" dirty="0" smtClean="0"/>
-              <a:t>HTML                                          </a:t>
-            </a:r>
-          </a:p>
-          <a:p>
-            <a:r>
-              <a:rPr lang="en-US" dirty="0" smtClean="0"/>
-              <a:t>CSS</a:t>
-            </a:r>
-          </a:p>
-          <a:p>
-            <a:r>
-              <a:rPr lang="en-US" dirty="0" smtClean="0"/>
-              <a:t>Bootstrap</a:t>
-            </a:r>
-          </a:p>
-          <a:p>
-            <a:r>
-              <a:rPr lang="en-IN" dirty="0"/>
-              <a:t>JavaScript</a:t>
-            </a:r>
-            <a:r>
-              <a:rPr lang="en-US" dirty="0" smtClean="0"/>
-              <a:t>, </a:t>
-            </a:r>
-            <a:r>
-              <a:rPr lang="en-IN" dirty="0" err="1"/>
-              <a:t>jQuery</a:t>
-            </a:r>
-            <a:endParaRPr lang="en-US" dirty="0" smtClean="0"/>
-          </a:p>
-          <a:p>
-            <a:r>
-              <a:rPr lang="en-US" dirty="0" smtClean="0"/>
-              <a:t>Python </a:t>
-            </a:r>
-          </a:p>
-          <a:p>
-            <a:r>
-              <a:rPr lang="en-US" dirty="0" smtClean="0"/>
-              <a:t>Django</a:t>
+              <a:t>Thank you!</a:t>
             </a:r>
             <a:endParaRPr lang="en-IN" dirty="0"/>
           </a:p>
@@ -7293,537 +7224,27 @@
       </p:sp>
       <p:sp>
         <p:nvSpPr>
-          <p:cNvPr id="4" name="Content Placeholder 2"/>
-          <p:cNvSpPr txBox="1">
-            <a:spLocks/>
-          </p:cNvSpPr>
-          <p:nvPr/>
-        </p:nvSpPr>
-        <p:spPr>
-          <a:xfrm>
-            <a:off x="6602896" y="2556932"/>
-            <a:ext cx="4469295" cy="3318936"/>
-          </a:xfrm>
-          <a:prstGeom prst="rect">
-            <a:avLst/>
-          </a:prstGeom>
-        </p:spPr>
-        <p:txBody>
-          <a:bodyPr vert="horz" lIns="91440" tIns="45720" rIns="91440" bIns="45720" rtlCol="0" anchor="t">
-            <a:normAutofit/>
-          </a:bodyPr>
-          <a:lstStyle>
-            <a:lvl1pPr marL="285750" indent="-285750" algn="l" defTabSz="457200" rtl="0" eaLnBrk="1" latinLnBrk="0" hangingPunct="1">
-              <a:spcBef>
-                <a:spcPct val="20000"/>
-              </a:spcBef>
-              <a:spcAft>
-                <a:spcPts val="600"/>
-              </a:spcAft>
-              <a:buClr>
-                <a:schemeClr val="accent1"/>
-              </a:buClr>
-              <a:buSzPct val="115000"/>
-              <a:buFont typeface="Arial"/>
-              <a:buChar char="•"/>
-              <a:defRPr sz="2400" kern="1200" cap="none">
-                <a:solidFill>
-                  <a:schemeClr val="tx1">
-                    <a:lumMod val="85000"/>
-                    <a:lumOff val="15000"/>
-                  </a:schemeClr>
-                </a:solidFill>
-                <a:effectLst/>
-                <a:latin typeface="+mn-lt"/>
-                <a:ea typeface="+mn-ea"/>
-                <a:cs typeface="+mn-cs"/>
-              </a:defRPr>
-            </a:lvl1pPr>
-            <a:lvl2pPr marL="742950" indent="-285750" algn="l" defTabSz="457200" rtl="0" eaLnBrk="1" latinLnBrk="0" hangingPunct="1">
-              <a:spcBef>
-                <a:spcPct val="20000"/>
-              </a:spcBef>
-              <a:spcAft>
-                <a:spcPts val="600"/>
-              </a:spcAft>
-              <a:buClr>
-                <a:schemeClr val="accent1"/>
-              </a:buClr>
-              <a:buSzPct val="115000"/>
-              <a:buFont typeface="Arial"/>
-              <a:buChar char="•"/>
-              <a:defRPr sz="2000" kern="1200" cap="none">
-                <a:solidFill>
-                  <a:schemeClr val="tx1">
-                    <a:lumMod val="85000"/>
-                    <a:lumOff val="15000"/>
-                  </a:schemeClr>
-                </a:solidFill>
-                <a:effectLst/>
-                <a:latin typeface="+mn-lt"/>
-                <a:ea typeface="+mn-ea"/>
-                <a:cs typeface="+mn-cs"/>
-              </a:defRPr>
-            </a:lvl2pPr>
-            <a:lvl3pPr marL="1200150" indent="-285750" algn="l" defTabSz="457200" rtl="0" eaLnBrk="1" latinLnBrk="0" hangingPunct="1">
-              <a:spcBef>
-                <a:spcPct val="20000"/>
-              </a:spcBef>
-              <a:spcAft>
-                <a:spcPts val="600"/>
-              </a:spcAft>
-              <a:buClr>
-                <a:schemeClr val="accent1"/>
-              </a:buClr>
-              <a:buSzPct val="115000"/>
-              <a:buFont typeface="Arial"/>
-              <a:buChar char="•"/>
-              <a:defRPr sz="1800" kern="1200" cap="none">
-                <a:solidFill>
-                  <a:schemeClr val="tx1">
-                    <a:lumMod val="85000"/>
-                    <a:lumOff val="15000"/>
-                  </a:schemeClr>
-                </a:solidFill>
-                <a:effectLst/>
-                <a:latin typeface="+mn-lt"/>
-                <a:ea typeface="+mn-ea"/>
-                <a:cs typeface="+mn-cs"/>
-              </a:defRPr>
-            </a:lvl3pPr>
-            <a:lvl4pPr marL="1543050" indent="-171450" algn="l" defTabSz="457200" rtl="0" eaLnBrk="1" latinLnBrk="0" hangingPunct="1">
-              <a:spcBef>
-                <a:spcPct val="20000"/>
-              </a:spcBef>
-              <a:spcAft>
-                <a:spcPts val="600"/>
-              </a:spcAft>
-              <a:buClr>
-                <a:schemeClr val="accent1"/>
-              </a:buClr>
-              <a:buSzPct val="115000"/>
-              <a:buFont typeface="Arial"/>
-              <a:buChar char="•"/>
-              <a:defRPr sz="1600" kern="1200" cap="none">
-                <a:solidFill>
-                  <a:schemeClr val="tx1">
-                    <a:lumMod val="85000"/>
-                    <a:lumOff val="15000"/>
-                  </a:schemeClr>
-                </a:solidFill>
-                <a:effectLst/>
-                <a:latin typeface="+mn-lt"/>
-                <a:ea typeface="+mn-ea"/>
-                <a:cs typeface="+mn-cs"/>
-              </a:defRPr>
-            </a:lvl4pPr>
-            <a:lvl5pPr marL="2000250" indent="-171450" algn="l" defTabSz="457200" rtl="0" eaLnBrk="1" latinLnBrk="0" hangingPunct="1">
-              <a:spcBef>
-                <a:spcPct val="20000"/>
-              </a:spcBef>
-              <a:spcAft>
-                <a:spcPts val="600"/>
-              </a:spcAft>
-              <a:buClr>
-                <a:schemeClr val="accent1"/>
-              </a:buClr>
-              <a:buSzPct val="115000"/>
-              <a:buFont typeface="Arial"/>
-              <a:buChar char="•"/>
-              <a:defRPr sz="1400" kern="1200" cap="none">
-                <a:solidFill>
-                  <a:schemeClr val="tx1">
-                    <a:lumMod val="85000"/>
-                    <a:lumOff val="15000"/>
-                  </a:schemeClr>
-                </a:solidFill>
-                <a:effectLst/>
-                <a:latin typeface="+mn-lt"/>
-                <a:ea typeface="+mn-ea"/>
-                <a:cs typeface="+mn-cs"/>
-              </a:defRPr>
-            </a:lvl5pPr>
-            <a:lvl6pPr marL="2514600" indent="-228600" algn="l" defTabSz="457200" rtl="0" eaLnBrk="1" latinLnBrk="0" hangingPunct="1">
-              <a:spcBef>
-                <a:spcPct val="20000"/>
-              </a:spcBef>
-              <a:spcAft>
-                <a:spcPts val="600"/>
-              </a:spcAft>
-              <a:buClr>
-                <a:schemeClr val="accent1"/>
-              </a:buClr>
-              <a:buSzPct val="115000"/>
-              <a:buFont typeface="Arial"/>
-              <a:buChar char="•"/>
-              <a:defRPr sz="1400" kern="1200" cap="none">
-                <a:solidFill>
-                  <a:schemeClr val="tx1">
-                    <a:lumMod val="85000"/>
-                    <a:lumOff val="15000"/>
-                  </a:schemeClr>
-                </a:solidFill>
-                <a:effectLst/>
-                <a:latin typeface="+mn-lt"/>
-                <a:ea typeface="+mn-ea"/>
-                <a:cs typeface="+mn-cs"/>
-              </a:defRPr>
-            </a:lvl6pPr>
-            <a:lvl7pPr marL="2971800" indent="-228600" algn="l" defTabSz="457200" rtl="0" eaLnBrk="1" latinLnBrk="0" hangingPunct="1">
-              <a:spcBef>
-                <a:spcPct val="20000"/>
-              </a:spcBef>
-              <a:spcAft>
-                <a:spcPts val="600"/>
-              </a:spcAft>
-              <a:buClr>
-                <a:schemeClr val="accent1"/>
-              </a:buClr>
-              <a:buSzPct val="115000"/>
-              <a:buFont typeface="Arial"/>
-              <a:buChar char="•"/>
-              <a:defRPr sz="1400" kern="1200" cap="none">
-                <a:solidFill>
-                  <a:schemeClr val="tx1">
-                    <a:lumMod val="85000"/>
-                    <a:lumOff val="15000"/>
-                  </a:schemeClr>
-                </a:solidFill>
-                <a:effectLst/>
-                <a:latin typeface="+mn-lt"/>
-                <a:ea typeface="+mn-ea"/>
-                <a:cs typeface="+mn-cs"/>
-              </a:defRPr>
-            </a:lvl7pPr>
-            <a:lvl8pPr marL="3429000" indent="-228600" algn="l" defTabSz="457200" rtl="0" eaLnBrk="1" latinLnBrk="0" hangingPunct="1">
-              <a:spcBef>
-                <a:spcPct val="20000"/>
-              </a:spcBef>
-              <a:spcAft>
-                <a:spcPts val="600"/>
-              </a:spcAft>
-              <a:buClr>
-                <a:schemeClr val="accent1"/>
-              </a:buClr>
-              <a:buSzPct val="115000"/>
-              <a:buFont typeface="Arial"/>
-              <a:buChar char="•"/>
-              <a:defRPr sz="1400" kern="1200" cap="none">
-                <a:solidFill>
-                  <a:schemeClr val="tx1">
-                    <a:lumMod val="85000"/>
-                    <a:lumOff val="15000"/>
-                  </a:schemeClr>
-                </a:solidFill>
-                <a:effectLst/>
-                <a:latin typeface="+mn-lt"/>
-                <a:ea typeface="+mn-ea"/>
-                <a:cs typeface="+mn-cs"/>
-              </a:defRPr>
-            </a:lvl8pPr>
-            <a:lvl9pPr marL="3886200" indent="-228600" algn="l" defTabSz="457200" rtl="0" eaLnBrk="1" latinLnBrk="0" hangingPunct="1">
-              <a:spcBef>
-                <a:spcPct val="20000"/>
-              </a:spcBef>
-              <a:spcAft>
-                <a:spcPts val="600"/>
-              </a:spcAft>
-              <a:buClr>
-                <a:schemeClr val="accent1"/>
-              </a:buClr>
-              <a:buSzPct val="115000"/>
-              <a:buFont typeface="Arial"/>
-              <a:buChar char="•"/>
-              <a:defRPr sz="1400" kern="1200" cap="none">
-                <a:solidFill>
-                  <a:schemeClr val="tx1">
-                    <a:lumMod val="85000"/>
-                    <a:lumOff val="15000"/>
-                  </a:schemeClr>
-                </a:solidFill>
-                <a:effectLst/>
-                <a:latin typeface="+mn-lt"/>
-                <a:ea typeface="+mn-ea"/>
-                <a:cs typeface="+mn-cs"/>
-              </a:defRPr>
-            </a:lvl9pPr>
-          </a:lstStyle>
-          <a:p>
-            <a:r>
-              <a:rPr lang="en-US" dirty="0" smtClean="0"/>
-              <a:t>Visual Studio Code</a:t>
-            </a:r>
-          </a:p>
-          <a:p>
-            <a:r>
-              <a:rPr lang="en-US" dirty="0" smtClean="0"/>
-              <a:t>Hosted on Local host</a:t>
-            </a:r>
-          </a:p>
-          <a:p>
-            <a:r>
-              <a:rPr lang="en-US" dirty="0" smtClean="0"/>
-              <a:t>SQLite Database</a:t>
-            </a:r>
+          <p:cNvPr id="5" name="Subtitle 4"/>
+          <p:cNvSpPr>
+            <a:spLocks noGrp="1"/>
+          </p:cNvSpPr>
+          <p:nvPr>
+            <p:ph type="subTitle" idx="1"/>
+          </p:nvPr>
+        </p:nvSpPr>
+        <p:spPr/>
+        <p:txBody>
+          <a:bodyPr/>
+          <a:lstStyle/>
+          <a:p>
+            <a:endParaRPr lang="en-IN" dirty="0"/>
           </a:p>
         </p:txBody>
       </p:sp>
     </p:spTree>
     <p:extLst>
       <p:ext uri="{BB962C8B-B14F-4D97-AF65-F5344CB8AC3E}">
-        <p14:creationId xmlns:p14="http://schemas.microsoft.com/office/powerpoint/2010/main" val="530016152"/>
-      </p:ext>
-    </p:extLst>
-  </p:cSld>
-  <p:clrMapOvr>
-    <a:masterClrMapping/>
-  </p:clrMapOvr>
-  <p:timing>
-    <p:tnLst>
-      <p:par>
-        <p:cTn id="1" dur="indefinite" restart="never" nodeType="tmRoot"/>
-      </p:par>
-    </p:tnLst>
-  </p:timing>
-</p:sld>
-</file>
-
-<file path=ppt/slides/slide8.xml><?xml version="1.0" encoding="utf-8"?>
-<p:sld xmlns:a="http://schemas.openxmlformats.org/drawingml/2006/main" xmlns:r="http://schemas.openxmlformats.org/officeDocument/2006/relationships" xmlns:p="http://schemas.openxmlformats.org/presentationml/2006/main">
-  <p:cSld>
-    <p:spTree>
-      <p:nvGrpSpPr>
-        <p:cNvPr id="1" name=""/>
-        <p:cNvGrpSpPr/>
-        <p:nvPr/>
-      </p:nvGrpSpPr>
-      <p:grpSpPr>
-        <a:xfrm>
-          <a:off x="0" y="0"/>
-          <a:ext cx="0" cy="0"/>
-          <a:chOff x="0" y="0"/>
-          <a:chExt cx="0" cy="0"/>
-        </a:xfrm>
-      </p:grpSpPr>
-      <p:sp>
-        <p:nvSpPr>
-          <p:cNvPr id="2" name="Title 1"/>
-          <p:cNvSpPr>
-            <a:spLocks noGrp="1"/>
-          </p:cNvSpPr>
-          <p:nvPr>
-            <p:ph type="title"/>
-          </p:nvPr>
-        </p:nvSpPr>
-        <p:spPr/>
-        <p:txBody>
-          <a:bodyPr/>
-          <a:lstStyle/>
-          <a:p>
-            <a:r>
-              <a:rPr lang="en-US" dirty="0" smtClean="0"/>
-              <a:t>Pages and Features</a:t>
-            </a:r>
-            <a:endParaRPr lang="en-IN" dirty="0"/>
-          </a:p>
-        </p:txBody>
-      </p:sp>
-      <p:sp>
-        <p:nvSpPr>
-          <p:cNvPr id="3" name="Content Placeholder 2"/>
-          <p:cNvSpPr>
-            <a:spLocks noGrp="1"/>
-          </p:cNvSpPr>
-          <p:nvPr>
-            <p:ph idx="1"/>
-          </p:nvPr>
-        </p:nvSpPr>
-        <p:spPr>
-          <a:xfrm>
-            <a:off x="1295401" y="2556932"/>
-            <a:ext cx="9601196" cy="3539068"/>
-          </a:xfrm>
-        </p:spPr>
-        <p:txBody>
-          <a:bodyPr>
-            <a:normAutofit fontScale="92500"/>
-          </a:bodyPr>
-          <a:lstStyle/>
-          <a:p>
-            <a:r>
-              <a:rPr lang="en-US" dirty="0" smtClean="0"/>
-              <a:t>Home Page -  Contains all the products, Cart, Search Products.</a:t>
-            </a:r>
-          </a:p>
-          <a:p>
-            <a:r>
-              <a:rPr lang="en-US" dirty="0" smtClean="0"/>
-              <a:t>Product Page - Contains all the information of the products.</a:t>
-            </a:r>
-          </a:p>
-          <a:p>
-            <a:r>
-              <a:rPr lang="en-US" dirty="0" smtClean="0"/>
-              <a:t>Checkout Page – </a:t>
-            </a:r>
-            <a:r>
-              <a:rPr lang="en-US" sz="2200" dirty="0" smtClean="0"/>
-              <a:t>Contains all the information of the cart and form for product delivery.</a:t>
-            </a:r>
-          </a:p>
-          <a:p>
-            <a:r>
-              <a:rPr lang="en-US" dirty="0"/>
-              <a:t>Tracker </a:t>
-            </a:r>
-            <a:r>
-              <a:rPr lang="en-US" dirty="0" smtClean="0"/>
-              <a:t>– Contains form to </a:t>
-            </a:r>
-            <a:r>
-              <a:rPr lang="en-US" dirty="0"/>
-              <a:t>track </a:t>
-            </a:r>
-            <a:r>
-              <a:rPr lang="en-US" dirty="0" smtClean="0"/>
-              <a:t>the </a:t>
-            </a:r>
-            <a:r>
-              <a:rPr lang="en-US" dirty="0"/>
-              <a:t>products</a:t>
-            </a:r>
-            <a:r>
-              <a:rPr lang="en-US" dirty="0" smtClean="0"/>
-              <a:t>.</a:t>
-            </a:r>
-          </a:p>
-          <a:p>
-            <a:r>
-              <a:rPr lang="en-US" dirty="0" smtClean="0"/>
-              <a:t>Blog Page -  Contains all the blog posts</a:t>
-            </a:r>
-          </a:p>
-          <a:p>
-            <a:r>
-              <a:rPr lang="en-US" dirty="0" smtClean="0"/>
-              <a:t>About Us - Contains brief content about the E-commerce website.</a:t>
-            </a:r>
-          </a:p>
-          <a:p>
-            <a:r>
-              <a:rPr lang="en-US" dirty="0" smtClean="0"/>
-              <a:t>Contact Us – Contains a Form to contact us.</a:t>
-            </a:r>
-          </a:p>
-          <a:p>
-            <a:endParaRPr lang="en-IN" dirty="0"/>
-          </a:p>
-        </p:txBody>
-      </p:sp>
-    </p:spTree>
-    <p:extLst>
-      <p:ext uri="{BB962C8B-B14F-4D97-AF65-F5344CB8AC3E}">
-        <p14:creationId xmlns:p14="http://schemas.microsoft.com/office/powerpoint/2010/main" val="199725798"/>
-      </p:ext>
-    </p:extLst>
-  </p:cSld>
-  <p:clrMapOvr>
-    <a:masterClrMapping/>
-  </p:clrMapOvr>
-  <p:timing>
-    <p:tnLst>
-      <p:par>
-        <p:cTn id="1" dur="indefinite" restart="never" nodeType="tmRoot"/>
-      </p:par>
-    </p:tnLst>
-  </p:timing>
-</p:sld>
-</file>
-
-<file path=ppt/slides/slide9.xml><?xml version="1.0" encoding="utf-8"?>
-<p:sld xmlns:a="http://schemas.openxmlformats.org/drawingml/2006/main" xmlns:r="http://schemas.openxmlformats.org/officeDocument/2006/relationships" xmlns:p="http://schemas.openxmlformats.org/presentationml/2006/main">
-  <p:cSld>
-    <p:spTree>
-      <p:nvGrpSpPr>
-        <p:cNvPr id="1" name=""/>
-        <p:cNvGrpSpPr/>
-        <p:nvPr/>
-      </p:nvGrpSpPr>
-      <p:grpSpPr>
-        <a:xfrm>
-          <a:off x="0" y="0"/>
-          <a:ext cx="0" cy="0"/>
-          <a:chOff x="0" y="0"/>
-          <a:chExt cx="0" cy="0"/>
-        </a:xfrm>
-      </p:grpSpPr>
-      <p:pic>
-        <p:nvPicPr>
-          <p:cNvPr id="5" name="Picture 4"/>
-          <p:cNvPicPr>
-            <a:picLocks noChangeAspect="1"/>
-          </p:cNvPicPr>
-          <p:nvPr/>
-        </p:nvPicPr>
-        <p:blipFill>
-          <a:blip r:embed="rId2">
-            <a:extLst>
-              <a:ext uri="{28A0092B-C50C-407E-A947-70E740481C1C}">
-                <a14:useLocalDpi xmlns:a14="http://schemas.microsoft.com/office/drawing/2010/main" val="0"/>
-              </a:ext>
-            </a:extLst>
-          </a:blip>
-          <a:stretch>
-            <a:fillRect/>
-          </a:stretch>
-        </p:blipFill>
-        <p:spPr>
-          <a:xfrm>
-            <a:off x="808383" y="1298713"/>
-            <a:ext cx="10568602" cy="4878249"/>
-          </a:xfrm>
-          <a:prstGeom prst="rect">
-            <a:avLst/>
-          </a:prstGeom>
-        </p:spPr>
-      </p:pic>
-      <p:sp>
-        <p:nvSpPr>
-          <p:cNvPr id="6" name="Title 5"/>
-          <p:cNvSpPr>
-            <a:spLocks noGrp="1"/>
-          </p:cNvSpPr>
-          <p:nvPr>
-            <p:ph type="title"/>
-          </p:nvPr>
-        </p:nvSpPr>
-        <p:spPr>
-          <a:xfrm>
-            <a:off x="1295402" y="1126435"/>
-            <a:ext cx="9601196" cy="675862"/>
-          </a:xfrm>
-        </p:spPr>
-        <p:txBody>
-          <a:bodyPr>
-            <a:normAutofit fontScale="90000"/>
-          </a:bodyPr>
-          <a:lstStyle/>
-          <a:p>
-            <a:r>
-              <a:rPr lang="en-US" dirty="0" smtClean="0"/>
-              <a:t>Data flow Diagram</a:t>
-            </a:r>
-            <a:br>
-              <a:rPr lang="en-US" dirty="0" smtClean="0"/>
-            </a:br>
-            <a:endParaRPr lang="en-IN" dirty="0"/>
-          </a:p>
-        </p:txBody>
-      </p:sp>
-    </p:spTree>
-    <p:extLst>
-      <p:ext uri="{BB962C8B-B14F-4D97-AF65-F5344CB8AC3E}">
-        <p14:creationId xmlns:p14="http://schemas.microsoft.com/office/powerpoint/2010/main" val="1710486478"/>
+        <p14:creationId xmlns:p14="http://schemas.microsoft.com/office/powerpoint/2010/main" val="3740928094"/>
       </p:ext>
     </p:extLst>
   </p:cSld>
